--- a/Kubernetes.pptx
+++ b/Kubernetes.pptx
@@ -23,8 +23,9 @@
     <p:sldId id="268" r:id="rId17"/>
     <p:sldId id="270" r:id="rId18"/>
     <p:sldId id="271" r:id="rId19"/>
-    <p:sldId id="275" r:id="rId20"/>
-    <p:sldId id="276" r:id="rId21"/>
+    <p:sldId id="279" r:id="rId20"/>
+    <p:sldId id="275" r:id="rId21"/>
+    <p:sldId id="276" r:id="rId22"/>
   </p:sldIdLst>
   <p:sldSz cx="12192000" cy="6858000"/>
   <p:notesSz cx="6858000" cy="9144000"/>
@@ -282,7 +283,7 @@
           <a:p>
             <a:fld id="{0ACD72D3-4714-4404-857C-E571C25660D7}" type="datetimeFigureOut">
               <a:rPr lang="en-US" smtClean="0"/>
-              <a:t>2/17/2018</a:t>
+              <a:t>4/20/2018</a:t>
             </a:fld>
             <a:endParaRPr lang="en-US"/>
           </a:p>
@@ -480,7 +481,7 @@
           <a:p>
             <a:fld id="{0ACD72D3-4714-4404-857C-E571C25660D7}" type="datetimeFigureOut">
               <a:rPr lang="en-US" smtClean="0"/>
-              <a:t>2/17/2018</a:t>
+              <a:t>4/20/2018</a:t>
             </a:fld>
             <a:endParaRPr lang="en-US"/>
           </a:p>
@@ -688,7 +689,7 @@
           <a:p>
             <a:fld id="{0ACD72D3-4714-4404-857C-E571C25660D7}" type="datetimeFigureOut">
               <a:rPr lang="en-US" smtClean="0"/>
-              <a:t>2/17/2018</a:t>
+              <a:t>4/20/2018</a:t>
             </a:fld>
             <a:endParaRPr lang="en-US"/>
           </a:p>
@@ -886,7 +887,7 @@
           <a:p>
             <a:fld id="{0ACD72D3-4714-4404-857C-E571C25660D7}" type="datetimeFigureOut">
               <a:rPr lang="en-US" smtClean="0"/>
-              <a:t>2/17/2018</a:t>
+              <a:t>4/20/2018</a:t>
             </a:fld>
             <a:endParaRPr lang="en-US"/>
           </a:p>
@@ -1161,7 +1162,7 @@
           <a:p>
             <a:fld id="{0ACD72D3-4714-4404-857C-E571C25660D7}" type="datetimeFigureOut">
               <a:rPr lang="en-US" smtClean="0"/>
-              <a:t>2/17/2018</a:t>
+              <a:t>4/20/2018</a:t>
             </a:fld>
             <a:endParaRPr lang="en-US"/>
           </a:p>
@@ -1426,7 +1427,7 @@
           <a:p>
             <a:fld id="{0ACD72D3-4714-4404-857C-E571C25660D7}" type="datetimeFigureOut">
               <a:rPr lang="en-US" smtClean="0"/>
-              <a:t>2/17/2018</a:t>
+              <a:t>4/20/2018</a:t>
             </a:fld>
             <a:endParaRPr lang="en-US"/>
           </a:p>
@@ -1838,7 +1839,7 @@
           <a:p>
             <a:fld id="{0ACD72D3-4714-4404-857C-E571C25660D7}" type="datetimeFigureOut">
               <a:rPr lang="en-US" smtClean="0"/>
-              <a:t>2/17/2018</a:t>
+              <a:t>4/20/2018</a:t>
             </a:fld>
             <a:endParaRPr lang="en-US"/>
           </a:p>
@@ -1979,7 +1980,7 @@
           <a:p>
             <a:fld id="{0ACD72D3-4714-4404-857C-E571C25660D7}" type="datetimeFigureOut">
               <a:rPr lang="en-US" smtClean="0"/>
-              <a:t>2/17/2018</a:t>
+              <a:t>4/20/2018</a:t>
             </a:fld>
             <a:endParaRPr lang="en-US"/>
           </a:p>
@@ -2092,7 +2093,7 @@
           <a:p>
             <a:fld id="{0ACD72D3-4714-4404-857C-E571C25660D7}" type="datetimeFigureOut">
               <a:rPr lang="en-US" smtClean="0"/>
-              <a:t>2/17/2018</a:t>
+              <a:t>4/20/2018</a:t>
             </a:fld>
             <a:endParaRPr lang="en-US"/>
           </a:p>
@@ -2403,7 +2404,7 @@
           <a:p>
             <a:fld id="{0ACD72D3-4714-4404-857C-E571C25660D7}" type="datetimeFigureOut">
               <a:rPr lang="en-US" smtClean="0"/>
-              <a:t>2/17/2018</a:t>
+              <a:t>4/20/2018</a:t>
             </a:fld>
             <a:endParaRPr lang="en-US"/>
           </a:p>
@@ -2691,7 +2692,7 @@
           <a:p>
             <a:fld id="{0ACD72D3-4714-4404-857C-E571C25660D7}" type="datetimeFigureOut">
               <a:rPr lang="en-US" smtClean="0"/>
-              <a:t>2/17/2018</a:t>
+              <a:t>4/20/2018</a:t>
             </a:fld>
             <a:endParaRPr lang="en-US"/>
           </a:p>
@@ -2932,7 +2933,7 @@
           <a:p>
             <a:fld id="{0ACD72D3-4714-4404-857C-E571C25660D7}" type="datetimeFigureOut">
               <a:rPr lang="en-US" smtClean="0"/>
-              <a:t>2/17/2018</a:t>
+              <a:t>4/20/2018</a:t>
             </a:fld>
             <a:endParaRPr lang="en-US"/>
           </a:p>
@@ -5226,7 +5227,7 @@
           <p:cNvPr id="2" name="Title 1">
             <a:extLst>
               <a:ext uri="{FF2B5EF4-FFF2-40B4-BE49-F238E27FC236}">
-                <a16:creationId xmlns:a16="http://schemas.microsoft.com/office/drawing/2014/main" id="{F0700BAB-EEBB-4B4D-8550-D7011430F386}"/>
+                <a16:creationId xmlns:a16="http://schemas.microsoft.com/office/drawing/2014/main" id="{920A23B2-5D92-40CC-8AF1-2AC6E32129E5}"/>
               </a:ext>
             </a:extLst>
           </p:cNvPr>
@@ -5237,30 +5238,80 @@
             <p:ph type="title"/>
           </p:nvPr>
         </p:nvSpPr>
-        <p:spPr>
-          <a:xfrm>
-            <a:off x="607380" y="2424745"/>
-            <a:ext cx="10515600" cy="1325563"/>
-          </a:xfrm>
-        </p:spPr>
+        <p:spPr/>
         <p:txBody>
           <a:bodyPr/>
           <a:lstStyle/>
           <a:p>
-            <a:pPr algn="ctr"/>
+            <a:endParaRPr lang="en-US"/>
+          </a:p>
+        </p:txBody>
+      </p:sp>
+      <p:sp>
+        <p:nvSpPr>
+          <p:cNvPr id="3" name="Content Placeholder 2">
+            <a:extLst>
+              <a:ext uri="{FF2B5EF4-FFF2-40B4-BE49-F238E27FC236}">
+                <a16:creationId xmlns:a16="http://schemas.microsoft.com/office/drawing/2014/main" id="{47051F5A-971E-48EA-82F0-FB9D8D2D94C1}"/>
+              </a:ext>
+            </a:extLst>
+          </p:cNvPr>
+          <p:cNvSpPr>
+            <a:spLocks noGrp="1"/>
+          </p:cNvSpPr>
+          <p:nvPr>
+            <p:ph idx="1"/>
+          </p:nvPr>
+        </p:nvSpPr>
+        <p:spPr/>
+        <p:txBody>
+          <a:bodyPr/>
+          <a:lstStyle/>
+          <a:p>
+            <a:pPr marL="0" indent="0">
+              <a:buNone/>
+            </a:pPr>
+            <a:r>
+              <a:rPr lang="en-US" dirty="0"/>
+              <a:t>Demo and explanation of the slide can be found in google drive mentioned below.</a:t>
+            </a:r>
+          </a:p>
+          <a:p>
+            <a:pPr marL="0" indent="0">
+              <a:buNone/>
+            </a:pPr>
+            <a:endParaRPr lang="en-US" dirty="0"/>
+          </a:p>
+          <a:p>
+            <a:pPr marL="0" indent="0">
+              <a:buNone/>
+            </a:pPr>
             <a:r>
               <a:rPr lang="en-US" dirty="0">
-                <a:latin typeface="Adobe Garamond Pro Bold" panose="02020702060506020403" pitchFamily="18" charset="0"/>
+                <a:hlinkClick r:id="rId2"/>
               </a:rPr>
-              <a:t>Q&amp;A</a:t>
-            </a:r>
+              <a:t>https://drive.google.com/open?id=1gu5E7UNBWmjHtNsX7A5PXyldqbkH53yM</a:t>
+            </a:r>
+            <a:endParaRPr lang="en-US" dirty="0"/>
+          </a:p>
+          <a:p>
+            <a:pPr marL="0" indent="0">
+              <a:buNone/>
+            </a:pPr>
+            <a:endParaRPr lang="en-US"/>
+          </a:p>
+          <a:p>
+            <a:pPr marL="0" indent="0">
+              <a:buNone/>
+            </a:pPr>
+            <a:endParaRPr lang="en-US" dirty="0"/>
           </a:p>
         </p:txBody>
       </p:sp>
     </p:spTree>
     <p:extLst>
       <p:ext uri="{BB962C8B-B14F-4D97-AF65-F5344CB8AC3E}">
-        <p14:creationId xmlns:p14="http://schemas.microsoft.com/office/powerpoint/2010/main" val="3154583663"/>
+        <p14:creationId xmlns:p14="http://schemas.microsoft.com/office/powerpoint/2010/main" val="2902592527"/>
       </p:ext>
     </p:extLst>
   </p:cSld>
@@ -5469,6 +5520,72 @@
 </file>
 
 <file path=ppt/slides/slide20.xml><?xml version="1.0" encoding="utf-8"?>
+<p:sld xmlns:a="http://schemas.openxmlformats.org/drawingml/2006/main" xmlns:r="http://schemas.openxmlformats.org/officeDocument/2006/relationships" xmlns:p="http://schemas.openxmlformats.org/presentationml/2006/main">
+  <p:cSld>
+    <p:spTree>
+      <p:nvGrpSpPr>
+        <p:cNvPr id="1" name=""/>
+        <p:cNvGrpSpPr/>
+        <p:nvPr/>
+      </p:nvGrpSpPr>
+      <p:grpSpPr>
+        <a:xfrm>
+          <a:off x="0" y="0"/>
+          <a:ext cx="0" cy="0"/>
+          <a:chOff x="0" y="0"/>
+          <a:chExt cx="0" cy="0"/>
+        </a:xfrm>
+      </p:grpSpPr>
+      <p:sp>
+        <p:nvSpPr>
+          <p:cNvPr id="2" name="Title 1">
+            <a:extLst>
+              <a:ext uri="{FF2B5EF4-FFF2-40B4-BE49-F238E27FC236}">
+                <a16:creationId xmlns:a16="http://schemas.microsoft.com/office/drawing/2014/main" id="{F0700BAB-EEBB-4B4D-8550-D7011430F386}"/>
+              </a:ext>
+            </a:extLst>
+          </p:cNvPr>
+          <p:cNvSpPr>
+            <a:spLocks noGrp="1"/>
+          </p:cNvSpPr>
+          <p:nvPr>
+            <p:ph type="title"/>
+          </p:nvPr>
+        </p:nvSpPr>
+        <p:spPr>
+          <a:xfrm>
+            <a:off x="607380" y="2424745"/>
+            <a:ext cx="10515600" cy="1325563"/>
+          </a:xfrm>
+        </p:spPr>
+        <p:txBody>
+          <a:bodyPr/>
+          <a:lstStyle/>
+          <a:p>
+            <a:pPr algn="ctr"/>
+            <a:r>
+              <a:rPr lang="en-US" dirty="0">
+                <a:latin typeface="Adobe Garamond Pro Bold" panose="02020702060506020403" pitchFamily="18" charset="0"/>
+              </a:rPr>
+              <a:t>Q&amp;A</a:t>
+            </a:r>
+          </a:p>
+        </p:txBody>
+      </p:sp>
+    </p:spTree>
+    <p:extLst>
+      <p:ext uri="{BB962C8B-B14F-4D97-AF65-F5344CB8AC3E}">
+        <p14:creationId xmlns:p14="http://schemas.microsoft.com/office/powerpoint/2010/main" val="3154583663"/>
+      </p:ext>
+    </p:extLst>
+  </p:cSld>
+  <p:clrMapOvr>
+    <a:masterClrMapping/>
+  </p:clrMapOvr>
+</p:sld>
+</file>
+
+<file path=ppt/slides/slide21.xml><?xml version="1.0" encoding="utf-8"?>
 <p:sld xmlns:a="http://schemas.openxmlformats.org/drawingml/2006/main" xmlns:r="http://schemas.openxmlformats.org/officeDocument/2006/relationships" xmlns:p="http://schemas.openxmlformats.org/presentationml/2006/main">
   <p:cSld>
     <p:spTree>
